--- a/04_day.pptx
+++ b/04_day.pptx
@@ -17,6 +17,9 @@
     <p:sldId id="265" r:id="rId11"/>
     <p:sldId id="266" r:id="rId12"/>
     <p:sldId id="267" r:id="rId13"/>
+    <p:sldId id="268" r:id="rId14"/>
+    <p:sldId id="269" r:id="rId15"/>
+    <p:sldId id="270" r:id="rId16"/>
   </p:sldIdLst>
   <p:sldSz cx="9144000" cy="6858000" type="screen4x3"/>
   <p:notesSz cx="6858000" cy="9144000"/>
@@ -10980,6 +10983,1464 @@
     <p:extLst>
       <p:ext uri="{BB962C8B-B14F-4D97-AF65-F5344CB8AC3E}">
         <p14:creationId xmlns:p14="http://schemas.microsoft.com/office/powerpoint/2010/main" val="3254419028"/>
+      </p:ext>
+    </p:extLst>
+  </p:cSld>
+  <p:clrMapOvr>
+    <a:masterClrMapping/>
+  </p:clrMapOvr>
+</p:sld>
+</file>
+
+<file path=ppt/slides/slide13.xml><?xml version="1.0" encoding="utf-8"?>
+<p:sld xmlns:a="http://schemas.openxmlformats.org/drawingml/2006/main" xmlns:r="http://schemas.openxmlformats.org/officeDocument/2006/relationships" xmlns:p="http://schemas.openxmlformats.org/presentationml/2006/main">
+  <p:cSld>
+    <p:spTree>
+      <p:nvGrpSpPr>
+        <p:cNvPr id="1" name=""/>
+        <p:cNvGrpSpPr/>
+        <p:nvPr/>
+      </p:nvGrpSpPr>
+      <p:grpSpPr>
+        <a:xfrm>
+          <a:off x="0" y="0"/>
+          <a:ext cx="0" cy="0"/>
+          <a:chOff x="0" y="0"/>
+          <a:chExt cx="0" cy="0"/>
+        </a:xfrm>
+      </p:grpSpPr>
+      <p:sp>
+        <p:nvSpPr>
+          <p:cNvPr id="4" name="제목 1">
+            <a:extLst>
+              <a:ext uri="{FF2B5EF4-FFF2-40B4-BE49-F238E27FC236}">
+                <a16:creationId xmlns:a16="http://schemas.microsoft.com/office/drawing/2014/main" id="{483280C6-ACA0-4936-BD31-A2CA372B081D}"/>
+              </a:ext>
+            </a:extLst>
+          </p:cNvPr>
+          <p:cNvSpPr>
+            <a:spLocks noGrp="1"/>
+          </p:cNvSpPr>
+          <p:nvPr>
+            <p:ph type="title"/>
+          </p:nvPr>
+        </p:nvSpPr>
+        <p:spPr>
+          <a:xfrm>
+            <a:off x="147638" y="142875"/>
+            <a:ext cx="9610725" cy="630238"/>
+          </a:xfrm>
+        </p:spPr>
+        <p:txBody>
+          <a:bodyPr/>
+          <a:lstStyle/>
+          <a:p>
+            <a:r>
+              <a:rPr lang="en-US" altLang="ko-KR"/>
+              <a:t>Property </a:t>
+            </a:r>
+            <a:r>
+              <a:rPr lang="ko-KR" altLang="en-US"/>
+              <a:t>초기화 과정 </a:t>
+            </a:r>
+          </a:p>
+        </p:txBody>
+      </p:sp>
+      <p:sp>
+        <p:nvSpPr>
+          <p:cNvPr id="5" name="TextBox 4">
+            <a:extLst>
+              <a:ext uri="{FF2B5EF4-FFF2-40B4-BE49-F238E27FC236}">
+                <a16:creationId xmlns:a16="http://schemas.microsoft.com/office/drawing/2014/main" id="{D0DCC1AD-AF6E-4B35-80EA-0586134510A3}"/>
+              </a:ext>
+            </a:extLst>
+          </p:cNvPr>
+          <p:cNvSpPr txBox="1">
+            <a:spLocks noChangeArrowheads="1"/>
+          </p:cNvSpPr>
+          <p:nvPr/>
+        </p:nvSpPr>
+        <p:spPr bwMode="auto">
+          <a:xfrm>
+            <a:off x="395536" y="920621"/>
+            <a:ext cx="8039058" cy="5016758"/>
+          </a:xfrm>
+          <a:prstGeom prst="rect">
+            <a:avLst/>
+          </a:prstGeom>
+          <a:noFill/>
+          <a:ln>
+            <a:noFill/>
+          </a:ln>
+          <a:extLst>
+            <a:ext uri="{909E8E84-426E-40DD-AFC4-6F175D3DCCD1}">
+              <a14:hiddenFill xmlns:a14="http://schemas.microsoft.com/office/drawing/2010/main">
+                <a:solidFill>
+                  <a:srgbClr val="FFFFFF"/>
+                </a:solidFill>
+              </a14:hiddenFill>
+            </a:ext>
+            <a:ext uri="{91240B29-F687-4F45-9708-019B960494DF}">
+              <a14:hiddenLine xmlns:a14="http://schemas.microsoft.com/office/drawing/2010/main" w="9525">
+                <a:solidFill>
+                  <a:srgbClr val="000000"/>
+                </a:solidFill>
+                <a:miter lim="800000"/>
+                <a:headEnd/>
+                <a:tailEnd/>
+              </a14:hiddenLine>
+            </a:ext>
+          </a:extLst>
+        </p:spPr>
+        <p:txBody>
+          <a:bodyPr wrap="square">
+            <a:spAutoFit/>
+          </a:bodyPr>
+          <a:lstStyle/>
+          <a:p>
+            <a:r>
+              <a:rPr lang="en-US" altLang="ko-KR" sz="2000">
+                <a:latin typeface="Consolas" panose="020B0609020204030204" pitchFamily="49" charset="0"/>
+              </a:rPr>
+              <a:t>Shell </a:t>
+            </a:r>
+            <a:r>
+              <a:rPr lang="ko-KR" altLang="en-US" sz="2000">
+                <a:latin typeface="Consolas" panose="020B0609020204030204" pitchFamily="49" charset="0"/>
+              </a:rPr>
+              <a:t>지역변수 </a:t>
+            </a:r>
+            <a:r>
+              <a:rPr lang="en-US" altLang="ko-KR" sz="2000">
+                <a:latin typeface="Consolas" panose="020B0609020204030204" pitchFamily="49" charset="0"/>
+              </a:rPr>
+              <a:t>: </a:t>
+            </a:r>
+            <a:r>
+              <a:rPr lang="ko-KR" altLang="en-US" sz="2000">
+                <a:latin typeface="Consolas" panose="020B0609020204030204" pitchFamily="49" charset="0"/>
+              </a:rPr>
+              <a:t>해당 </a:t>
+            </a:r>
+            <a:r>
+              <a:rPr lang="en-US" altLang="ko-KR" sz="2000">
+                <a:latin typeface="Consolas" panose="020B0609020204030204" pitchFamily="49" charset="0"/>
+              </a:rPr>
+              <a:t>Shell</a:t>
+            </a:r>
+            <a:r>
+              <a:rPr lang="ko-KR" altLang="en-US" sz="2000">
+                <a:latin typeface="Consolas" panose="020B0609020204030204" pitchFamily="49" charset="0"/>
+              </a:rPr>
+              <a:t>에서만 사용되는 변수 </a:t>
+            </a:r>
+            <a:endParaRPr lang="en-US" altLang="ko-KR" sz="2000">
+              <a:latin typeface="Consolas" panose="020B0609020204030204" pitchFamily="49" charset="0"/>
+            </a:endParaRPr>
+          </a:p>
+          <a:p>
+            <a:r>
+              <a:rPr lang="en-US" altLang="ko-KR" sz="2000">
+                <a:latin typeface="Consolas" panose="020B0609020204030204" pitchFamily="49" charset="0"/>
+              </a:rPr>
+              <a:t># name=kji</a:t>
+            </a:r>
+          </a:p>
+          <a:p>
+            <a:r>
+              <a:rPr lang="en-US" altLang="ko-KR" sz="2000">
+                <a:latin typeface="Consolas" panose="020B0609020204030204" pitchFamily="49" charset="0"/>
+              </a:rPr>
+              <a:t># echo $name</a:t>
+            </a:r>
+          </a:p>
+          <a:p>
+            <a:r>
+              <a:rPr lang="en-US" altLang="ko-KR" sz="2000">
+                <a:latin typeface="Consolas" panose="020B0609020204030204" pitchFamily="49" charset="0"/>
+              </a:rPr>
+              <a:t># bash</a:t>
+            </a:r>
+          </a:p>
+          <a:p>
+            <a:r>
+              <a:rPr lang="en-US" altLang="ko-KR" sz="2000">
+                <a:latin typeface="Consolas" panose="020B0609020204030204" pitchFamily="49" charset="0"/>
+              </a:rPr>
+              <a:t># echo $name</a:t>
+            </a:r>
+          </a:p>
+          <a:p>
+            <a:endParaRPr lang="en-US" altLang="ko-KR" sz="2000">
+              <a:latin typeface="Consolas" panose="020B0609020204030204" pitchFamily="49" charset="0"/>
+            </a:endParaRPr>
+          </a:p>
+          <a:p>
+            <a:r>
+              <a:rPr lang="ko-KR" altLang="en-US" sz="2000">
+                <a:latin typeface="Consolas" panose="020B0609020204030204" pitchFamily="49" charset="0"/>
+              </a:rPr>
+              <a:t>환경변수는 부모가 자식 프로세스에게 전달 하는 상속되는  변수 </a:t>
+            </a:r>
+            <a:endParaRPr lang="en-US" altLang="ko-KR" sz="2000">
+              <a:latin typeface="Consolas" panose="020B0609020204030204" pitchFamily="49" charset="0"/>
+            </a:endParaRPr>
+          </a:p>
+          <a:p>
+            <a:r>
+              <a:rPr lang="en-US" altLang="ko-KR" sz="2000">
+                <a:latin typeface="Consolas" panose="020B0609020204030204" pitchFamily="49" charset="0"/>
+              </a:rPr>
+              <a:t># echo $PATH</a:t>
+            </a:r>
+          </a:p>
+          <a:p>
+            <a:r>
+              <a:rPr lang="en-US" altLang="ko-KR" sz="2000">
+                <a:latin typeface="Consolas" panose="020B0609020204030204" pitchFamily="49" charset="0"/>
+              </a:rPr>
+              <a:t># export name=kji</a:t>
+            </a:r>
+          </a:p>
+          <a:p>
+            <a:r>
+              <a:rPr lang="en-US" altLang="ko-KR" sz="2000">
+                <a:latin typeface="Consolas" panose="020B0609020204030204" pitchFamily="49" charset="0"/>
+              </a:rPr>
+              <a:t># bash</a:t>
+            </a:r>
+          </a:p>
+          <a:p>
+            <a:r>
+              <a:rPr lang="en-US" altLang="ko-KR" sz="2000">
+                <a:latin typeface="Consolas" panose="020B0609020204030204" pitchFamily="49" charset="0"/>
+              </a:rPr>
+              <a:t># echo $name</a:t>
+            </a:r>
+          </a:p>
+          <a:p>
+            <a:endParaRPr lang="en-US" altLang="ko-KR" sz="2000">
+              <a:latin typeface="Consolas" panose="020B0609020204030204" pitchFamily="49" charset="0"/>
+            </a:endParaRPr>
+          </a:p>
+          <a:p>
+            <a:r>
+              <a:rPr lang="en-US" altLang="ko-KR" sz="2000">
+                <a:latin typeface="Consolas" panose="020B0609020204030204" pitchFamily="49" charset="0"/>
+              </a:rPr>
+              <a:t>property</a:t>
+            </a:r>
+            <a:r>
+              <a:rPr lang="ko-KR" altLang="en-US" sz="2000">
+                <a:latin typeface="Consolas" panose="020B0609020204030204" pitchFamily="49" charset="0"/>
+              </a:rPr>
+              <a:t>는 모든 프로세스가 볼수 있는 시스템 전역 변수 </a:t>
+            </a:r>
+            <a:endParaRPr lang="en-US" altLang="ko-KR" sz="2000">
+              <a:latin typeface="Consolas" panose="020B0609020204030204" pitchFamily="49" charset="0"/>
+            </a:endParaRPr>
+          </a:p>
+          <a:p>
+            <a:r>
+              <a:rPr lang="en-US" altLang="ko-KR" sz="2000">
+                <a:latin typeface="Consolas" panose="020B0609020204030204" pitchFamily="49" charset="0"/>
+              </a:rPr>
+              <a:t># getprop </a:t>
+            </a:r>
+          </a:p>
+          <a:p>
+            <a:endParaRPr lang="en-US" altLang="ko-KR" sz="2000">
+              <a:latin typeface="Consolas" panose="020B0609020204030204" pitchFamily="49" charset="0"/>
+            </a:endParaRPr>
+          </a:p>
+          <a:p>
+            <a:r>
+              <a:rPr lang="en-US" altLang="ko-KR" sz="2000">
+                <a:latin typeface="Consolas" panose="020B0609020204030204" pitchFamily="49" charset="0"/>
+              </a:rPr>
+              <a:t>property_init(); // mmap</a:t>
+            </a:r>
+            <a:endParaRPr lang="ko-KR" altLang="en-US" sz="2000">
+              <a:latin typeface="Consolas" panose="020B0609020204030204" pitchFamily="49" charset="0"/>
+            </a:endParaRPr>
+          </a:p>
+        </p:txBody>
+      </p:sp>
+    </p:spTree>
+    <p:extLst>
+      <p:ext uri="{BB962C8B-B14F-4D97-AF65-F5344CB8AC3E}">
+        <p14:creationId xmlns:p14="http://schemas.microsoft.com/office/powerpoint/2010/main" val="3076769118"/>
+      </p:ext>
+    </p:extLst>
+  </p:cSld>
+  <p:clrMapOvr>
+    <a:masterClrMapping/>
+  </p:clrMapOvr>
+</p:sld>
+</file>
+
+<file path=ppt/slides/slide14.xml><?xml version="1.0" encoding="utf-8"?>
+<p:sld xmlns:a="http://schemas.openxmlformats.org/drawingml/2006/main" xmlns:r="http://schemas.openxmlformats.org/officeDocument/2006/relationships" xmlns:p="http://schemas.openxmlformats.org/presentationml/2006/main">
+  <p:cSld>
+    <p:spTree>
+      <p:nvGrpSpPr>
+        <p:cNvPr id="1" name=""/>
+        <p:cNvGrpSpPr/>
+        <p:nvPr/>
+      </p:nvGrpSpPr>
+      <p:grpSpPr>
+        <a:xfrm>
+          <a:off x="0" y="0"/>
+          <a:ext cx="0" cy="0"/>
+          <a:chOff x="0" y="0"/>
+          <a:chExt cx="0" cy="0"/>
+        </a:xfrm>
+      </p:grpSpPr>
+      <p:sp>
+        <p:nvSpPr>
+          <p:cNvPr id="4" name="TextBox 3">
+            <a:extLst>
+              <a:ext uri="{FF2B5EF4-FFF2-40B4-BE49-F238E27FC236}">
+                <a16:creationId xmlns:a16="http://schemas.microsoft.com/office/drawing/2014/main" id="{A9560C0A-9F53-42C4-A4EA-12151143015F}"/>
+              </a:ext>
+            </a:extLst>
+          </p:cNvPr>
+          <p:cNvSpPr txBox="1">
+            <a:spLocks noChangeArrowheads="1"/>
+          </p:cNvSpPr>
+          <p:nvPr/>
+        </p:nvSpPr>
+        <p:spPr bwMode="auto">
+          <a:xfrm>
+            <a:off x="327818" y="-111125"/>
+            <a:ext cx="9524310" cy="6555641"/>
+          </a:xfrm>
+          <a:prstGeom prst="rect">
+            <a:avLst/>
+          </a:prstGeom>
+          <a:noFill/>
+          <a:ln>
+            <a:noFill/>
+          </a:ln>
+          <a:extLst>
+            <a:ext uri="{909E8E84-426E-40DD-AFC4-6F175D3DCCD1}">
+              <a14:hiddenFill xmlns:a14="http://schemas.microsoft.com/office/drawing/2010/main">
+                <a:solidFill>
+                  <a:srgbClr val="FFFFFF"/>
+                </a:solidFill>
+              </a14:hiddenFill>
+            </a:ext>
+            <a:ext uri="{91240B29-F687-4F45-9708-019B960494DF}">
+              <a14:hiddenLine xmlns:a14="http://schemas.microsoft.com/office/drawing/2010/main" w="9525">
+                <a:solidFill>
+                  <a:srgbClr val="000000"/>
+                </a:solidFill>
+                <a:miter lim="800000"/>
+                <a:headEnd/>
+                <a:tailEnd/>
+              </a14:hiddenLine>
+            </a:ext>
+          </a:extLst>
+        </p:spPr>
+        <p:txBody>
+          <a:bodyPr wrap="square">
+            <a:spAutoFit/>
+          </a:bodyPr>
+          <a:lstStyle/>
+          <a:p>
+            <a:endParaRPr lang="en-US" altLang="ko-KR" sz="2000">
+              <a:latin typeface="Consolas" panose="020B0609020204030204" pitchFamily="49" charset="0"/>
+            </a:endParaRPr>
+          </a:p>
+          <a:p>
+            <a:r>
+              <a:rPr lang="en-US" altLang="ko-KR" sz="2000">
+                <a:latin typeface="Consolas" panose="020B0609020204030204" pitchFamily="49" charset="0"/>
+              </a:rPr>
+              <a:t>// /dev/</a:t>
+            </a:r>
+            <a:r>
+              <a:rPr lang="ko-KR" altLang="en-US" sz="2000">
+                <a:latin typeface="Consolas" panose="020B0609020204030204" pitchFamily="49" charset="0"/>
+              </a:rPr>
+              <a:t>는 메모리 파일 시스템</a:t>
+            </a:r>
+            <a:r>
+              <a:rPr lang="en-US" altLang="ko-KR" sz="2000">
+                <a:latin typeface="Consolas" panose="020B0609020204030204" pitchFamily="49" charset="0"/>
+              </a:rPr>
+              <a:t>(tmpfs)</a:t>
+            </a:r>
+            <a:r>
+              <a:rPr lang="ko-KR" altLang="en-US" sz="2000">
+                <a:latin typeface="Consolas" panose="020B0609020204030204" pitchFamily="49" charset="0"/>
+              </a:rPr>
+              <a:t>을 사용한다</a:t>
+            </a:r>
+            <a:r>
+              <a:rPr lang="en-US" altLang="ko-KR" sz="2000">
+                <a:latin typeface="Consolas" panose="020B0609020204030204" pitchFamily="49" charset="0"/>
+              </a:rPr>
+              <a:t>.</a:t>
+            </a:r>
+          </a:p>
+          <a:p>
+            <a:r>
+              <a:rPr lang="en-US" altLang="ko-KR" sz="2000">
+                <a:latin typeface="Consolas" panose="020B0609020204030204" pitchFamily="49" charset="0"/>
+              </a:rPr>
+              <a:t>property_init(); // mmap</a:t>
+            </a:r>
+            <a:endParaRPr lang="ko-KR" altLang="en-US" sz="2000">
+              <a:latin typeface="Consolas" panose="020B0609020204030204" pitchFamily="49" charset="0"/>
+            </a:endParaRPr>
+          </a:p>
+          <a:p>
+            <a:r>
+              <a:rPr lang="en-US" altLang="ko-KR" sz="2000">
+                <a:latin typeface="Consolas" panose="020B0609020204030204" pitchFamily="49" charset="0"/>
+              </a:rPr>
+              <a:t>__system_property_area_init();</a:t>
+            </a:r>
+          </a:p>
+          <a:p>
+            <a:r>
+              <a:rPr lang="en-US" altLang="ko-KR" sz="2000">
+                <a:latin typeface="Consolas" panose="020B0609020204030204" pitchFamily="49" charset="0"/>
+              </a:rPr>
+              <a:t>mkdir(property_filename, S_IRWXU | S_IRGRP | S_IXGRP | S_IROTH | S_IXOTH);</a:t>
+            </a:r>
+          </a:p>
+          <a:p>
+            <a:r>
+              <a:rPr lang="en-US" altLang="ko-KR" sz="2000">
+                <a:latin typeface="Consolas" panose="020B0609020204030204" pitchFamily="49" charset="0"/>
+              </a:rPr>
+              <a:t>//  /dev/__properties__</a:t>
+            </a:r>
+          </a:p>
+          <a:p>
+            <a:r>
+              <a:rPr lang="en-US" altLang="ko-KR" sz="2000">
+                <a:latin typeface="Consolas" panose="020B0609020204030204" pitchFamily="49" charset="0"/>
+              </a:rPr>
+              <a:t>l-&gt;open(</a:t>
+            </a:r>
+            <a:r>
+              <a:rPr lang="en-US" altLang="ko-KR" sz="2000">
+                <a:solidFill>
+                  <a:srgbClr val="FF0000"/>
+                </a:solidFill>
+                <a:latin typeface="Consolas" panose="020B0609020204030204" pitchFamily="49" charset="0"/>
+              </a:rPr>
+              <a:t>true</a:t>
+            </a:r>
+            <a:r>
+              <a:rPr lang="en-US" altLang="ko-KR" sz="2000">
+                <a:latin typeface="Consolas" panose="020B0609020204030204" pitchFamily="49" charset="0"/>
+              </a:rPr>
+              <a:t>, &amp;fsetxattr_failed)</a:t>
+            </a:r>
+          </a:p>
+          <a:p>
+            <a:r>
+              <a:rPr lang="en-US" altLang="ko-KR" sz="2000">
+                <a:latin typeface="Consolas" panose="020B0609020204030204" pitchFamily="49" charset="0"/>
+              </a:rPr>
+              <a:t>context_node::open();</a:t>
+            </a:r>
+          </a:p>
+          <a:p>
+            <a:r>
+              <a:rPr lang="en-US" altLang="ko-KR" sz="2000">
+                <a:latin typeface="Consolas" panose="020B0609020204030204" pitchFamily="49" charset="0"/>
+              </a:rPr>
+              <a:t>if (access_rw) {</a:t>
+            </a:r>
+          </a:p>
+          <a:p>
+            <a:r>
+              <a:rPr lang="en-US" altLang="ko-KR" sz="2000">
+                <a:latin typeface="Consolas" panose="020B0609020204030204" pitchFamily="49" charset="0"/>
+              </a:rPr>
+              <a:t>        </a:t>
+            </a:r>
+            <a:r>
+              <a:rPr lang="en-US" altLang="ko-KR" sz="2000">
+                <a:solidFill>
+                  <a:srgbClr val="FF0000"/>
+                </a:solidFill>
+                <a:latin typeface="Consolas" panose="020B0609020204030204" pitchFamily="49" charset="0"/>
+              </a:rPr>
+              <a:t>pa_ = map_prop_area_rw(filename, context_, fsetxattr_failed);</a:t>
+            </a:r>
+          </a:p>
+          <a:p>
+            <a:r>
+              <a:rPr lang="en-US" altLang="ko-KR" sz="2000">
+                <a:latin typeface="Consolas" panose="020B0609020204030204" pitchFamily="49" charset="0"/>
+              </a:rPr>
+              <a:t>    } else {</a:t>
+            </a:r>
+          </a:p>
+          <a:p>
+            <a:r>
+              <a:rPr lang="en-US" altLang="ko-KR" sz="2000">
+                <a:latin typeface="Consolas" panose="020B0609020204030204" pitchFamily="49" charset="0"/>
+              </a:rPr>
+              <a:t>        pa_ = map_prop_area(filename, false);</a:t>
+            </a:r>
+          </a:p>
+          <a:p>
+            <a:r>
+              <a:rPr lang="en-US" altLang="ko-KR" sz="2000">
+                <a:latin typeface="Consolas" panose="020B0609020204030204" pitchFamily="49" charset="0"/>
+              </a:rPr>
+              <a:t>}</a:t>
+            </a:r>
+          </a:p>
+          <a:p>
+            <a:r>
+              <a:rPr lang="en-US" altLang="ko-KR" sz="2000">
+                <a:latin typeface="Consolas" panose="020B0609020204030204" pitchFamily="49" charset="0"/>
+              </a:rPr>
+              <a:t>fd = open(filename, O_RDWR | O_CREAT, 0444);// </a:t>
+            </a:r>
+            <a:r>
+              <a:rPr lang="ko-KR" altLang="en-US" sz="2000">
+                <a:latin typeface="Consolas" panose="020B0609020204030204" pitchFamily="49" charset="0"/>
+              </a:rPr>
+              <a:t>파일생성시 </a:t>
+            </a:r>
+            <a:r>
+              <a:rPr lang="en-US" altLang="ko-KR" sz="2000">
+                <a:latin typeface="Consolas" panose="020B0609020204030204" pitchFamily="49" charset="0"/>
+              </a:rPr>
+              <a:t>0byte</a:t>
+            </a:r>
+            <a:r>
+              <a:rPr lang="ko-KR" altLang="en-US" sz="2000">
+                <a:latin typeface="Consolas" panose="020B0609020204030204" pitchFamily="49" charset="0"/>
+              </a:rPr>
+              <a:t>로 만들어짐</a:t>
+            </a:r>
+            <a:endParaRPr lang="en-US" altLang="ko-KR" sz="2000">
+              <a:latin typeface="Consolas" panose="020B0609020204030204" pitchFamily="49" charset="0"/>
+            </a:endParaRPr>
+          </a:p>
+          <a:p>
+            <a:r>
+              <a:rPr lang="en-US" altLang="ko-KR" sz="2000">
+                <a:latin typeface="Consolas" panose="020B0609020204030204" pitchFamily="49" charset="0"/>
+              </a:rPr>
+              <a:t>ftruncate(fd, PA_SIZE); // </a:t>
+            </a:r>
+            <a:r>
+              <a:rPr lang="ko-KR" altLang="en-US" sz="2000">
+                <a:latin typeface="Consolas" panose="020B0609020204030204" pitchFamily="49" charset="0"/>
+              </a:rPr>
+              <a:t>파일의 크기를 </a:t>
+            </a:r>
+            <a:r>
+              <a:rPr lang="en-US" altLang="ko-KR" sz="2000">
+                <a:latin typeface="Consolas" panose="020B0609020204030204" pitchFamily="49" charset="0"/>
+              </a:rPr>
+              <a:t>128 * 1024</a:t>
+            </a:r>
+            <a:r>
+              <a:rPr lang="ko-KR" altLang="en-US" sz="2000">
+                <a:latin typeface="Consolas" panose="020B0609020204030204" pitchFamily="49" charset="0"/>
+              </a:rPr>
+              <a:t>로 만들어라</a:t>
+            </a:r>
+            <a:r>
+              <a:rPr lang="en-US" altLang="ko-KR" sz="2000">
+                <a:latin typeface="Consolas" panose="020B0609020204030204" pitchFamily="49" charset="0"/>
+              </a:rPr>
+              <a:t>.</a:t>
+            </a:r>
+          </a:p>
+          <a:p>
+            <a:r>
+              <a:rPr lang="en-US" altLang="ko-KR" sz="2000">
+                <a:latin typeface="Consolas" panose="020B0609020204030204" pitchFamily="49" charset="0"/>
+              </a:rPr>
+              <a:t>                        // </a:t>
+            </a:r>
+            <a:r>
+              <a:rPr lang="ko-KR" altLang="en-US" sz="2000">
+                <a:latin typeface="Consolas" panose="020B0609020204030204" pitchFamily="49" charset="0"/>
+              </a:rPr>
+              <a:t>물리 메모리를 </a:t>
+            </a:r>
+            <a:r>
+              <a:rPr lang="en-US" altLang="ko-KR" sz="2000">
+                <a:latin typeface="Consolas" panose="020B0609020204030204" pitchFamily="49" charset="0"/>
+              </a:rPr>
+              <a:t>128 * 1024</a:t>
+            </a:r>
+            <a:r>
+              <a:rPr lang="ko-KR" altLang="en-US" sz="2000">
+                <a:latin typeface="Consolas" panose="020B0609020204030204" pitchFamily="49" charset="0"/>
+              </a:rPr>
+              <a:t>로 만들어라</a:t>
+            </a:r>
+            <a:r>
+              <a:rPr lang="en-US" altLang="ko-KR" sz="2000">
+                <a:latin typeface="Consolas" panose="020B0609020204030204" pitchFamily="49" charset="0"/>
+              </a:rPr>
+              <a:t>.</a:t>
+            </a:r>
+          </a:p>
+          <a:p>
+            <a:r>
+              <a:rPr lang="en-US" altLang="ko-KR" sz="2000">
+                <a:latin typeface="Consolas" panose="020B0609020204030204" pitchFamily="49" charset="0"/>
+              </a:rPr>
+              <a:t>p = mmap(NULL, pa_size, PROT_READ | PROT_WRITE, MAP_SHARED, fd, 0);</a:t>
+            </a:r>
+          </a:p>
+          <a:p>
+            <a:endParaRPr lang="ko-KR" altLang="en-US" sz="2000">
+              <a:latin typeface="Consolas" panose="020B0609020204030204" pitchFamily="49" charset="0"/>
+            </a:endParaRPr>
+          </a:p>
+        </p:txBody>
+      </p:sp>
+    </p:spTree>
+    <p:extLst>
+      <p:ext uri="{BB962C8B-B14F-4D97-AF65-F5344CB8AC3E}">
+        <p14:creationId xmlns:p14="http://schemas.microsoft.com/office/powerpoint/2010/main" val="2394879907"/>
+      </p:ext>
+    </p:extLst>
+  </p:cSld>
+  <p:clrMapOvr>
+    <a:masterClrMapping/>
+  </p:clrMapOvr>
+</p:sld>
+</file>
+
+<file path=ppt/slides/slide15.xml><?xml version="1.0" encoding="utf-8"?>
+<p:sld xmlns:a="http://schemas.openxmlformats.org/drawingml/2006/main" xmlns:r="http://schemas.openxmlformats.org/officeDocument/2006/relationships" xmlns:p="http://schemas.openxmlformats.org/presentationml/2006/main">
+  <p:cSld>
+    <p:spTree>
+      <p:nvGrpSpPr>
+        <p:cNvPr id="1" name=""/>
+        <p:cNvGrpSpPr/>
+        <p:nvPr/>
+      </p:nvGrpSpPr>
+      <p:grpSpPr>
+        <a:xfrm>
+          <a:off x="0" y="0"/>
+          <a:ext cx="0" cy="0"/>
+          <a:chOff x="0" y="0"/>
+          <a:chExt cx="0" cy="0"/>
+        </a:xfrm>
+      </p:grpSpPr>
+      <p:sp>
+        <p:nvSpPr>
+          <p:cNvPr id="4" name="TextBox 3">
+            <a:extLst>
+              <a:ext uri="{FF2B5EF4-FFF2-40B4-BE49-F238E27FC236}">
+                <a16:creationId xmlns:a16="http://schemas.microsoft.com/office/drawing/2014/main" id="{044698E0-5E6A-413D-A96B-C40CF85E7176}"/>
+              </a:ext>
+            </a:extLst>
+          </p:cNvPr>
+          <p:cNvSpPr txBox="1"/>
+          <p:nvPr/>
+        </p:nvSpPr>
+        <p:spPr>
+          <a:xfrm>
+            <a:off x="-252536" y="260648"/>
+            <a:ext cx="13778131" cy="1200329"/>
+          </a:xfrm>
+          <a:prstGeom prst="rect">
+            <a:avLst/>
+          </a:prstGeom>
+          <a:noFill/>
+        </p:spPr>
+        <p:txBody>
+          <a:bodyPr wrap="none" rtlCol="0">
+            <a:spAutoFit/>
+          </a:bodyPr>
+          <a:lstStyle/>
+          <a:p>
+            <a:r>
+              <a:rPr lang="en-US" altLang="ko-KR" sz="2400">
+                <a:latin typeface="Consolas" pitchFamily="49" charset="0"/>
+                <a:cs typeface="Consolas" pitchFamily="49" charset="0"/>
+              </a:rPr>
+              <a:t>new int</a:t>
+            </a:r>
+          </a:p>
+          <a:p>
+            <a:r>
+              <a:rPr lang="en-US" altLang="ko-KR" sz="2400">
+                <a:latin typeface="Consolas" pitchFamily="49" charset="0"/>
+                <a:cs typeface="Consolas" pitchFamily="49" charset="0"/>
+              </a:rPr>
+              <a:t>new AAA</a:t>
+            </a:r>
+          </a:p>
+          <a:p>
+            <a:r>
+              <a:rPr lang="en-US" altLang="ko-KR" sz="2400">
+                <a:latin typeface="Consolas" pitchFamily="49" charset="0"/>
+                <a:cs typeface="Consolas" pitchFamily="49" charset="0"/>
+              </a:rPr>
+              <a:t>prop_area* pa = new (memory_area) prop_area(PROP_AREA_MAGIC, PROP_AREA_VERSION);</a:t>
+            </a:r>
+            <a:endParaRPr lang="ko-KR" altLang="en-US" sz="2400">
+              <a:latin typeface="Consolas" pitchFamily="49" charset="0"/>
+              <a:cs typeface="Consolas" pitchFamily="49" charset="0"/>
+            </a:endParaRPr>
+          </a:p>
+        </p:txBody>
+      </p:sp>
+      <p:sp>
+        <p:nvSpPr>
+          <p:cNvPr id="5" name="직사각형 4">
+            <a:extLst>
+              <a:ext uri="{FF2B5EF4-FFF2-40B4-BE49-F238E27FC236}">
+                <a16:creationId xmlns:a16="http://schemas.microsoft.com/office/drawing/2014/main" id="{53D8C125-48A1-4520-AC1B-BA7F712BFDEE}"/>
+              </a:ext>
+            </a:extLst>
+          </p:cNvPr>
+          <p:cNvSpPr/>
+          <p:nvPr/>
+        </p:nvSpPr>
+        <p:spPr>
+          <a:xfrm>
+            <a:off x="2555776" y="1772816"/>
+            <a:ext cx="2451760" cy="432048"/>
+          </a:xfrm>
+          <a:prstGeom prst="rect">
+            <a:avLst/>
+          </a:prstGeom>
+          <a:solidFill>
+            <a:srgbClr val="FFC000"/>
+          </a:solidFill>
+          <a:ln w="12700"/>
+        </p:spPr>
+        <p:style>
+          <a:lnRef idx="2">
+            <a:schemeClr val="accent1">
+              <a:shade val="50000"/>
+            </a:schemeClr>
+          </a:lnRef>
+          <a:fillRef idx="1">
+            <a:schemeClr val="accent1"/>
+          </a:fillRef>
+          <a:effectRef idx="0">
+            <a:schemeClr val="accent1"/>
+          </a:effectRef>
+          <a:fontRef idx="minor">
+            <a:schemeClr val="lt1"/>
+          </a:fontRef>
+        </p:style>
+        <p:txBody>
+          <a:bodyPr rtlCol="0" anchor="ctr"/>
+          <a:lstStyle/>
+          <a:p>
+            <a:pPr algn="ctr"/>
+            <a:r>
+              <a:rPr lang="en-US" altLang="ko-KR">
+                <a:solidFill>
+                  <a:schemeClr val="tx1"/>
+                </a:solidFill>
+                <a:latin typeface="Consolas" pitchFamily="49" charset="0"/>
+                <a:cs typeface="Consolas" pitchFamily="49" charset="0"/>
+              </a:rPr>
+              <a:t>20</a:t>
+            </a:r>
+            <a:endParaRPr lang="ko-KR" altLang="en-US">
+              <a:solidFill>
+                <a:schemeClr val="tx1"/>
+              </a:solidFill>
+              <a:latin typeface="Consolas" pitchFamily="49" charset="0"/>
+              <a:cs typeface="Consolas" pitchFamily="49" charset="0"/>
+            </a:endParaRPr>
+          </a:p>
+        </p:txBody>
+      </p:sp>
+      <p:sp>
+        <p:nvSpPr>
+          <p:cNvPr id="6" name="직사각형 5">
+            <a:extLst>
+              <a:ext uri="{FF2B5EF4-FFF2-40B4-BE49-F238E27FC236}">
+                <a16:creationId xmlns:a16="http://schemas.microsoft.com/office/drawing/2014/main" id="{07160A74-1C17-46AF-869D-23C3F16A3368}"/>
+              </a:ext>
+            </a:extLst>
+          </p:cNvPr>
+          <p:cNvSpPr/>
+          <p:nvPr/>
+        </p:nvSpPr>
+        <p:spPr>
+          <a:xfrm>
+            <a:off x="2555776" y="2204864"/>
+            <a:ext cx="2451760" cy="432048"/>
+          </a:xfrm>
+          <a:prstGeom prst="rect">
+            <a:avLst/>
+          </a:prstGeom>
+          <a:solidFill>
+            <a:srgbClr val="FFC000"/>
+          </a:solidFill>
+          <a:ln w="12700"/>
+        </p:spPr>
+        <p:style>
+          <a:lnRef idx="2">
+            <a:schemeClr val="accent1">
+              <a:shade val="50000"/>
+            </a:schemeClr>
+          </a:lnRef>
+          <a:fillRef idx="1">
+            <a:schemeClr val="accent1"/>
+          </a:fillRef>
+          <a:effectRef idx="0">
+            <a:schemeClr val="accent1"/>
+          </a:effectRef>
+          <a:fontRef idx="minor">
+            <a:schemeClr val="lt1"/>
+          </a:fontRef>
+        </p:style>
+        <p:txBody>
+          <a:bodyPr rtlCol="0" anchor="ctr"/>
+          <a:lstStyle/>
+          <a:p>
+            <a:pPr algn="ctr"/>
+            <a:r>
+              <a:rPr lang="en-US" altLang="ko-KR">
+                <a:solidFill>
+                  <a:schemeClr val="tx1"/>
+                </a:solidFill>
+                <a:latin typeface="Consolas" pitchFamily="49" charset="0"/>
+                <a:cs typeface="Consolas" pitchFamily="49" charset="0"/>
+              </a:rPr>
+              <a:t>0</a:t>
+            </a:r>
+            <a:endParaRPr lang="ko-KR" altLang="en-US">
+              <a:solidFill>
+                <a:schemeClr val="tx1"/>
+              </a:solidFill>
+              <a:latin typeface="Consolas" pitchFamily="49" charset="0"/>
+              <a:cs typeface="Consolas" pitchFamily="49" charset="0"/>
+            </a:endParaRPr>
+          </a:p>
+        </p:txBody>
+      </p:sp>
+      <p:sp>
+        <p:nvSpPr>
+          <p:cNvPr id="7" name="직사각형 6">
+            <a:extLst>
+              <a:ext uri="{FF2B5EF4-FFF2-40B4-BE49-F238E27FC236}">
+                <a16:creationId xmlns:a16="http://schemas.microsoft.com/office/drawing/2014/main" id="{7F3E623C-1592-471B-98E6-1669F287C2D5}"/>
+              </a:ext>
+            </a:extLst>
+          </p:cNvPr>
+          <p:cNvSpPr/>
+          <p:nvPr/>
+        </p:nvSpPr>
+        <p:spPr>
+          <a:xfrm>
+            <a:off x="2555776" y="2636912"/>
+            <a:ext cx="2451760" cy="432048"/>
+          </a:xfrm>
+          <a:prstGeom prst="rect">
+            <a:avLst/>
+          </a:prstGeom>
+          <a:solidFill>
+            <a:srgbClr val="FFC000"/>
+          </a:solidFill>
+          <a:ln w="12700"/>
+        </p:spPr>
+        <p:style>
+          <a:lnRef idx="2">
+            <a:schemeClr val="accent1">
+              <a:shade val="50000"/>
+            </a:schemeClr>
+          </a:lnRef>
+          <a:fillRef idx="1">
+            <a:schemeClr val="accent1"/>
+          </a:fillRef>
+          <a:effectRef idx="0">
+            <a:schemeClr val="accent1"/>
+          </a:effectRef>
+          <a:fontRef idx="minor">
+            <a:schemeClr val="lt1"/>
+          </a:fontRef>
+        </p:style>
+        <p:txBody>
+          <a:bodyPr rtlCol="0" anchor="ctr"/>
+          <a:lstStyle/>
+          <a:p>
+            <a:pPr algn="ctr"/>
+            <a:r>
+              <a:rPr lang="en-US" altLang="ko-KR">
+                <a:solidFill>
+                  <a:schemeClr val="tx1"/>
+                </a:solidFill>
+                <a:latin typeface="Consolas" pitchFamily="49" charset="0"/>
+                <a:cs typeface="Consolas" pitchFamily="49" charset="0"/>
+              </a:rPr>
+              <a:t>PROP_AREA_MAGIC</a:t>
+            </a:r>
+            <a:endParaRPr lang="ko-KR" altLang="en-US">
+              <a:solidFill>
+                <a:schemeClr val="tx1"/>
+              </a:solidFill>
+              <a:latin typeface="Consolas" pitchFamily="49" charset="0"/>
+              <a:cs typeface="Consolas" pitchFamily="49" charset="0"/>
+            </a:endParaRPr>
+          </a:p>
+        </p:txBody>
+      </p:sp>
+      <p:sp>
+        <p:nvSpPr>
+          <p:cNvPr id="8" name="직사각형 7">
+            <a:extLst>
+              <a:ext uri="{FF2B5EF4-FFF2-40B4-BE49-F238E27FC236}">
+                <a16:creationId xmlns:a16="http://schemas.microsoft.com/office/drawing/2014/main" id="{840F9D13-CCB6-4037-86AF-B9ABE771D6CC}"/>
+              </a:ext>
+            </a:extLst>
+          </p:cNvPr>
+          <p:cNvSpPr/>
+          <p:nvPr/>
+        </p:nvSpPr>
+        <p:spPr>
+          <a:xfrm>
+            <a:off x="2555776" y="3068960"/>
+            <a:ext cx="2451760" cy="432048"/>
+          </a:xfrm>
+          <a:prstGeom prst="rect">
+            <a:avLst/>
+          </a:prstGeom>
+          <a:solidFill>
+            <a:srgbClr val="FFC000"/>
+          </a:solidFill>
+          <a:ln w="12700"/>
+        </p:spPr>
+        <p:style>
+          <a:lnRef idx="2">
+            <a:schemeClr val="accent1">
+              <a:shade val="50000"/>
+            </a:schemeClr>
+          </a:lnRef>
+          <a:fillRef idx="1">
+            <a:schemeClr val="accent1"/>
+          </a:fillRef>
+          <a:effectRef idx="0">
+            <a:schemeClr val="accent1"/>
+          </a:effectRef>
+          <a:fontRef idx="minor">
+            <a:schemeClr val="lt1"/>
+          </a:fontRef>
+        </p:style>
+        <p:txBody>
+          <a:bodyPr rtlCol="0" anchor="ctr"/>
+          <a:lstStyle/>
+          <a:p>
+            <a:pPr algn="ctr"/>
+            <a:r>
+              <a:rPr lang="en-US" altLang="ko-KR">
+                <a:solidFill>
+                  <a:schemeClr val="tx1"/>
+                </a:solidFill>
+                <a:latin typeface="Consolas" pitchFamily="49" charset="0"/>
+                <a:cs typeface="Consolas" pitchFamily="49" charset="0"/>
+              </a:rPr>
+              <a:t>PROP_AREA_VERSION</a:t>
+            </a:r>
+            <a:endParaRPr lang="ko-KR" altLang="en-US">
+              <a:solidFill>
+                <a:schemeClr val="tx1"/>
+              </a:solidFill>
+              <a:latin typeface="Consolas" pitchFamily="49" charset="0"/>
+              <a:cs typeface="Consolas" pitchFamily="49" charset="0"/>
+            </a:endParaRPr>
+          </a:p>
+        </p:txBody>
+      </p:sp>
+      <p:sp>
+        <p:nvSpPr>
+          <p:cNvPr id="9" name="직사각형 8">
+            <a:extLst>
+              <a:ext uri="{FF2B5EF4-FFF2-40B4-BE49-F238E27FC236}">
+                <a16:creationId xmlns:a16="http://schemas.microsoft.com/office/drawing/2014/main" id="{572F959C-42FA-4946-9299-95743F0E6A12}"/>
+              </a:ext>
+            </a:extLst>
+          </p:cNvPr>
+          <p:cNvSpPr/>
+          <p:nvPr/>
+        </p:nvSpPr>
+        <p:spPr>
+          <a:xfrm>
+            <a:off x="2555776" y="3501008"/>
+            <a:ext cx="2451760" cy="432048"/>
+          </a:xfrm>
+          <a:prstGeom prst="rect">
+            <a:avLst/>
+          </a:prstGeom>
+          <a:solidFill>
+            <a:schemeClr val="bg1">
+              <a:lumMod val="75000"/>
+            </a:schemeClr>
+          </a:solidFill>
+          <a:ln w="12700"/>
+        </p:spPr>
+        <p:style>
+          <a:lnRef idx="2">
+            <a:schemeClr val="accent1">
+              <a:shade val="50000"/>
+            </a:schemeClr>
+          </a:lnRef>
+          <a:fillRef idx="1">
+            <a:schemeClr val="accent1"/>
+          </a:fillRef>
+          <a:effectRef idx="0">
+            <a:schemeClr val="accent1"/>
+          </a:effectRef>
+          <a:fontRef idx="minor">
+            <a:schemeClr val="lt1"/>
+          </a:fontRef>
+        </p:style>
+        <p:txBody>
+          <a:bodyPr rtlCol="0" anchor="ctr"/>
+          <a:lstStyle/>
+          <a:p>
+            <a:pPr algn="ctr"/>
+            <a:endParaRPr lang="ko-KR" altLang="en-US">
+              <a:solidFill>
+                <a:schemeClr val="tx1"/>
+              </a:solidFill>
+              <a:latin typeface="Consolas" pitchFamily="49" charset="0"/>
+              <a:cs typeface="Consolas" pitchFamily="49" charset="0"/>
+            </a:endParaRPr>
+          </a:p>
+        </p:txBody>
+      </p:sp>
+      <p:sp>
+        <p:nvSpPr>
+          <p:cNvPr id="10" name="직사각형 9">
+            <a:extLst>
+              <a:ext uri="{FF2B5EF4-FFF2-40B4-BE49-F238E27FC236}">
+                <a16:creationId xmlns:a16="http://schemas.microsoft.com/office/drawing/2014/main" id="{A5832CE8-4F24-49DC-993F-48804E39117F}"/>
+              </a:ext>
+            </a:extLst>
+          </p:cNvPr>
+          <p:cNvSpPr/>
+          <p:nvPr/>
+        </p:nvSpPr>
+        <p:spPr>
+          <a:xfrm>
+            <a:off x="2555776" y="3933056"/>
+            <a:ext cx="2451760" cy="432048"/>
+          </a:xfrm>
+          <a:prstGeom prst="rect">
+            <a:avLst/>
+          </a:prstGeom>
+          <a:solidFill>
+            <a:schemeClr val="bg1">
+              <a:lumMod val="75000"/>
+            </a:schemeClr>
+          </a:solidFill>
+          <a:ln w="12700"/>
+        </p:spPr>
+        <p:style>
+          <a:lnRef idx="2">
+            <a:schemeClr val="accent1">
+              <a:shade val="50000"/>
+            </a:schemeClr>
+          </a:lnRef>
+          <a:fillRef idx="1">
+            <a:schemeClr val="accent1"/>
+          </a:fillRef>
+          <a:effectRef idx="0">
+            <a:schemeClr val="accent1"/>
+          </a:effectRef>
+          <a:fontRef idx="minor">
+            <a:schemeClr val="lt1"/>
+          </a:fontRef>
+        </p:style>
+        <p:txBody>
+          <a:bodyPr rtlCol="0" anchor="ctr"/>
+          <a:lstStyle/>
+          <a:p>
+            <a:pPr algn="ctr"/>
+            <a:r>
+              <a:rPr lang="en-US" altLang="ko-KR">
+                <a:solidFill>
+                  <a:schemeClr val="tx1"/>
+                </a:solidFill>
+                <a:latin typeface="Consolas" pitchFamily="49" charset="0"/>
+                <a:cs typeface="Consolas" pitchFamily="49" charset="0"/>
+              </a:rPr>
+              <a:t>...</a:t>
+            </a:r>
+            <a:endParaRPr lang="ko-KR" altLang="en-US">
+              <a:solidFill>
+                <a:schemeClr val="tx1"/>
+              </a:solidFill>
+              <a:latin typeface="Consolas" pitchFamily="49" charset="0"/>
+              <a:cs typeface="Consolas" pitchFamily="49" charset="0"/>
+            </a:endParaRPr>
+          </a:p>
+        </p:txBody>
+      </p:sp>
+      <p:sp>
+        <p:nvSpPr>
+          <p:cNvPr id="11" name="직사각형 10">
+            <a:extLst>
+              <a:ext uri="{FF2B5EF4-FFF2-40B4-BE49-F238E27FC236}">
+                <a16:creationId xmlns:a16="http://schemas.microsoft.com/office/drawing/2014/main" id="{C222E942-9D78-4E84-BE68-E4A35CE3EE04}"/>
+              </a:ext>
+            </a:extLst>
+          </p:cNvPr>
+          <p:cNvSpPr/>
+          <p:nvPr/>
+        </p:nvSpPr>
+        <p:spPr>
+          <a:xfrm>
+            <a:off x="2555776" y="4365104"/>
+            <a:ext cx="2451760" cy="2232248"/>
+          </a:xfrm>
+          <a:prstGeom prst="rect">
+            <a:avLst/>
+          </a:prstGeom>
+          <a:solidFill>
+            <a:srgbClr val="FFFF00"/>
+          </a:solidFill>
+          <a:ln w="12700"/>
+        </p:spPr>
+        <p:style>
+          <a:lnRef idx="2">
+            <a:schemeClr val="accent1">
+              <a:shade val="50000"/>
+            </a:schemeClr>
+          </a:lnRef>
+          <a:fillRef idx="1">
+            <a:schemeClr val="accent1"/>
+          </a:fillRef>
+          <a:effectRef idx="0">
+            <a:schemeClr val="accent1"/>
+          </a:effectRef>
+          <a:fontRef idx="minor">
+            <a:schemeClr val="lt1"/>
+          </a:fontRef>
+        </p:style>
+        <p:txBody>
+          <a:bodyPr rtlCol="0" anchor="ctr"/>
+          <a:lstStyle/>
+          <a:p>
+            <a:pPr algn="ctr"/>
+            <a:endParaRPr lang="ko-KR" altLang="en-US">
+              <a:solidFill>
+                <a:schemeClr val="tx1"/>
+              </a:solidFill>
+              <a:latin typeface="Consolas" pitchFamily="49" charset="0"/>
+              <a:cs typeface="Consolas" pitchFamily="49" charset="0"/>
+            </a:endParaRPr>
+          </a:p>
+        </p:txBody>
+      </p:sp>
+      <p:sp>
+        <p:nvSpPr>
+          <p:cNvPr id="12" name="TextBox 11">
+            <a:extLst>
+              <a:ext uri="{FF2B5EF4-FFF2-40B4-BE49-F238E27FC236}">
+                <a16:creationId xmlns:a16="http://schemas.microsoft.com/office/drawing/2014/main" id="{8D1387CA-A592-484B-940B-558FECEE950A}"/>
+              </a:ext>
+            </a:extLst>
+          </p:cNvPr>
+          <p:cNvSpPr txBox="1"/>
+          <p:nvPr/>
+        </p:nvSpPr>
+        <p:spPr>
+          <a:xfrm>
+            <a:off x="4998565" y="1728391"/>
+            <a:ext cx="2053767" cy="461665"/>
+          </a:xfrm>
+          <a:prstGeom prst="rect">
+            <a:avLst/>
+          </a:prstGeom>
+          <a:noFill/>
+        </p:spPr>
+        <p:txBody>
+          <a:bodyPr wrap="none" rtlCol="0">
+            <a:spAutoFit/>
+          </a:bodyPr>
+          <a:lstStyle/>
+          <a:p>
+            <a:r>
+              <a:rPr lang="en-US" altLang="ko-KR" sz="2400">
+                <a:latin typeface="Consolas" pitchFamily="49" charset="0"/>
+                <a:cs typeface="Consolas" pitchFamily="49" charset="0"/>
+              </a:rPr>
+              <a:t>bytes_used_</a:t>
+            </a:r>
+            <a:endParaRPr lang="ko-KR" altLang="en-US" sz="2400">
+              <a:latin typeface="Consolas" pitchFamily="49" charset="0"/>
+              <a:cs typeface="Consolas" pitchFamily="49" charset="0"/>
+            </a:endParaRPr>
+          </a:p>
+        </p:txBody>
+      </p:sp>
+      <p:sp>
+        <p:nvSpPr>
+          <p:cNvPr id="13" name="TextBox 12">
+            <a:extLst>
+              <a:ext uri="{FF2B5EF4-FFF2-40B4-BE49-F238E27FC236}">
+                <a16:creationId xmlns:a16="http://schemas.microsoft.com/office/drawing/2014/main" id="{860BFEDD-371B-488A-9B22-28A48BD1CFF4}"/>
+              </a:ext>
+            </a:extLst>
+          </p:cNvPr>
+          <p:cNvSpPr txBox="1"/>
+          <p:nvPr/>
+        </p:nvSpPr>
+        <p:spPr>
+          <a:xfrm>
+            <a:off x="4998565" y="2175247"/>
+            <a:ext cx="1374094" cy="461665"/>
+          </a:xfrm>
+          <a:prstGeom prst="rect">
+            <a:avLst/>
+          </a:prstGeom>
+          <a:noFill/>
+        </p:spPr>
+        <p:txBody>
+          <a:bodyPr wrap="none" rtlCol="0">
+            <a:spAutoFit/>
+          </a:bodyPr>
+          <a:lstStyle/>
+          <a:p>
+            <a:r>
+              <a:rPr lang="en-US" altLang="ko-KR" sz="2400">
+                <a:latin typeface="Consolas" pitchFamily="49" charset="0"/>
+                <a:cs typeface="Consolas" pitchFamily="49" charset="0"/>
+              </a:rPr>
+              <a:t>serial_</a:t>
+            </a:r>
+            <a:endParaRPr lang="ko-KR" altLang="en-US" sz="2400">
+              <a:latin typeface="Consolas" pitchFamily="49" charset="0"/>
+              <a:cs typeface="Consolas" pitchFamily="49" charset="0"/>
+            </a:endParaRPr>
+          </a:p>
+        </p:txBody>
+      </p:sp>
+      <p:sp>
+        <p:nvSpPr>
+          <p:cNvPr id="14" name="TextBox 13">
+            <a:extLst>
+              <a:ext uri="{FF2B5EF4-FFF2-40B4-BE49-F238E27FC236}">
+                <a16:creationId xmlns:a16="http://schemas.microsoft.com/office/drawing/2014/main" id="{AD2085A0-5B96-44D8-9DEF-6409C5DAA8D0}"/>
+              </a:ext>
+            </a:extLst>
+          </p:cNvPr>
+          <p:cNvSpPr txBox="1"/>
+          <p:nvPr/>
+        </p:nvSpPr>
+        <p:spPr>
+          <a:xfrm>
+            <a:off x="4998565" y="2580644"/>
+            <a:ext cx="1204176" cy="461665"/>
+          </a:xfrm>
+          <a:prstGeom prst="rect">
+            <a:avLst/>
+          </a:prstGeom>
+          <a:noFill/>
+        </p:spPr>
+        <p:txBody>
+          <a:bodyPr wrap="none" rtlCol="0">
+            <a:spAutoFit/>
+          </a:bodyPr>
+          <a:lstStyle/>
+          <a:p>
+            <a:r>
+              <a:rPr lang="en-US" altLang="ko-KR" sz="2400">
+                <a:latin typeface="Consolas" pitchFamily="49" charset="0"/>
+                <a:cs typeface="Consolas" pitchFamily="49" charset="0"/>
+              </a:rPr>
+              <a:t>magic_</a:t>
+            </a:r>
+            <a:endParaRPr lang="ko-KR" altLang="en-US" sz="2400">
+              <a:latin typeface="Consolas" pitchFamily="49" charset="0"/>
+              <a:cs typeface="Consolas" pitchFamily="49" charset="0"/>
+            </a:endParaRPr>
+          </a:p>
+        </p:txBody>
+      </p:sp>
+      <p:sp>
+        <p:nvSpPr>
+          <p:cNvPr id="15" name="TextBox 14">
+            <a:extLst>
+              <a:ext uri="{FF2B5EF4-FFF2-40B4-BE49-F238E27FC236}">
+                <a16:creationId xmlns:a16="http://schemas.microsoft.com/office/drawing/2014/main" id="{7C3E02E4-47DA-425C-A70C-DC50DCCF182E}"/>
+              </a:ext>
+            </a:extLst>
+          </p:cNvPr>
+          <p:cNvSpPr txBox="1"/>
+          <p:nvPr/>
+        </p:nvSpPr>
+        <p:spPr>
+          <a:xfrm>
+            <a:off x="4998565" y="3023668"/>
+            <a:ext cx="1544012" cy="461665"/>
+          </a:xfrm>
+          <a:prstGeom prst="rect">
+            <a:avLst/>
+          </a:prstGeom>
+          <a:noFill/>
+        </p:spPr>
+        <p:txBody>
+          <a:bodyPr wrap="none" rtlCol="0">
+            <a:spAutoFit/>
+          </a:bodyPr>
+          <a:lstStyle/>
+          <a:p>
+            <a:r>
+              <a:rPr lang="en-US" altLang="ko-KR" sz="2400">
+                <a:latin typeface="Consolas" pitchFamily="49" charset="0"/>
+                <a:cs typeface="Consolas" pitchFamily="49" charset="0"/>
+              </a:rPr>
+              <a:t>version_</a:t>
+            </a:r>
+            <a:endParaRPr lang="ko-KR" altLang="en-US" sz="2400">
+              <a:latin typeface="Consolas" pitchFamily="49" charset="0"/>
+              <a:cs typeface="Consolas" pitchFamily="49" charset="0"/>
+            </a:endParaRPr>
+          </a:p>
+        </p:txBody>
+      </p:sp>
+      <p:sp>
+        <p:nvSpPr>
+          <p:cNvPr id="16" name="TextBox 15">
+            <a:extLst>
+              <a:ext uri="{FF2B5EF4-FFF2-40B4-BE49-F238E27FC236}">
+                <a16:creationId xmlns:a16="http://schemas.microsoft.com/office/drawing/2014/main" id="{763C9773-C65F-439F-9684-F12BB8694A0C}"/>
+              </a:ext>
+            </a:extLst>
+          </p:cNvPr>
+          <p:cNvSpPr txBox="1"/>
+          <p:nvPr/>
+        </p:nvSpPr>
+        <p:spPr>
+          <a:xfrm>
+            <a:off x="4998565" y="3466692"/>
+            <a:ext cx="2223686" cy="461665"/>
+          </a:xfrm>
+          <a:prstGeom prst="rect">
+            <a:avLst/>
+          </a:prstGeom>
+          <a:noFill/>
+        </p:spPr>
+        <p:txBody>
+          <a:bodyPr wrap="none" rtlCol="0">
+            <a:spAutoFit/>
+          </a:bodyPr>
+          <a:lstStyle/>
+          <a:p>
+            <a:r>
+              <a:rPr lang="en-US" altLang="ko-KR" sz="2400">
+                <a:latin typeface="Consolas" pitchFamily="49" charset="0"/>
+                <a:cs typeface="Consolas" pitchFamily="49" charset="0"/>
+              </a:rPr>
+              <a:t>reserved_[0]</a:t>
+            </a:r>
+            <a:endParaRPr lang="ko-KR" altLang="en-US" sz="2400">
+              <a:latin typeface="Consolas" pitchFamily="49" charset="0"/>
+              <a:cs typeface="Consolas" pitchFamily="49" charset="0"/>
+            </a:endParaRPr>
+          </a:p>
+        </p:txBody>
+      </p:sp>
+      <p:sp>
+        <p:nvSpPr>
+          <p:cNvPr id="17" name="TextBox 16">
+            <a:extLst>
+              <a:ext uri="{FF2B5EF4-FFF2-40B4-BE49-F238E27FC236}">
+                <a16:creationId xmlns:a16="http://schemas.microsoft.com/office/drawing/2014/main" id="{3E95F3FF-B346-401C-8D53-BA777C08C6C3}"/>
+              </a:ext>
+            </a:extLst>
+          </p:cNvPr>
+          <p:cNvSpPr txBox="1"/>
+          <p:nvPr/>
+        </p:nvSpPr>
+        <p:spPr>
+          <a:xfrm>
+            <a:off x="4998565" y="3909716"/>
+            <a:ext cx="2223686" cy="461665"/>
+          </a:xfrm>
+          <a:prstGeom prst="rect">
+            <a:avLst/>
+          </a:prstGeom>
+          <a:noFill/>
+        </p:spPr>
+        <p:txBody>
+          <a:bodyPr wrap="none" rtlCol="0">
+            <a:spAutoFit/>
+          </a:bodyPr>
+          <a:lstStyle/>
+          <a:p>
+            <a:r>
+              <a:rPr lang="en-US" altLang="ko-KR" sz="2400">
+                <a:latin typeface="Consolas" pitchFamily="49" charset="0"/>
+                <a:cs typeface="Consolas" pitchFamily="49" charset="0"/>
+              </a:rPr>
+              <a:t>reserved_[6]</a:t>
+            </a:r>
+            <a:endParaRPr lang="ko-KR" altLang="en-US" sz="2400">
+              <a:latin typeface="Consolas" pitchFamily="49" charset="0"/>
+              <a:cs typeface="Consolas" pitchFamily="49" charset="0"/>
+            </a:endParaRPr>
+          </a:p>
+        </p:txBody>
+      </p:sp>
+      <p:sp>
+        <p:nvSpPr>
+          <p:cNvPr id="18" name="TextBox 17">
+            <a:extLst>
+              <a:ext uri="{FF2B5EF4-FFF2-40B4-BE49-F238E27FC236}">
+                <a16:creationId xmlns:a16="http://schemas.microsoft.com/office/drawing/2014/main" id="{3606C0E8-2504-48DA-86FF-6993583FBAEC}"/>
+              </a:ext>
+            </a:extLst>
+          </p:cNvPr>
+          <p:cNvSpPr txBox="1"/>
+          <p:nvPr/>
+        </p:nvSpPr>
+        <p:spPr>
+          <a:xfrm>
+            <a:off x="1547664" y="4005064"/>
+            <a:ext cx="1034257" cy="461665"/>
+          </a:xfrm>
+          <a:prstGeom prst="rect">
+            <a:avLst/>
+          </a:prstGeom>
+          <a:noFill/>
+        </p:spPr>
+        <p:txBody>
+          <a:bodyPr wrap="none" rtlCol="0">
+            <a:spAutoFit/>
+          </a:bodyPr>
+          <a:lstStyle/>
+          <a:p>
+            <a:r>
+              <a:rPr lang="en-US" altLang="ko-KR" sz="2400">
+                <a:latin typeface="Consolas" pitchFamily="49" charset="0"/>
+                <a:cs typeface="Consolas" pitchFamily="49" charset="0"/>
+              </a:rPr>
+              <a:t>data_</a:t>
+            </a:r>
+            <a:endParaRPr lang="ko-KR" altLang="en-US" sz="2400">
+              <a:latin typeface="Consolas" pitchFamily="49" charset="0"/>
+              <a:cs typeface="Consolas" pitchFamily="49" charset="0"/>
+            </a:endParaRPr>
+          </a:p>
+        </p:txBody>
+      </p:sp>
+    </p:spTree>
+    <p:extLst>
+      <p:ext uri="{BB962C8B-B14F-4D97-AF65-F5344CB8AC3E}">
+        <p14:creationId xmlns:p14="http://schemas.microsoft.com/office/powerpoint/2010/main" val="2822039936"/>
       </p:ext>
     </p:extLst>
   </p:cSld>
